--- a/AcademyClass/UI/PPT_JavaScript/10-문자열과 배열.pptx
+++ b/AcademyClass/UI/PPT_JavaScript/10-문자열과 배열.pptx
@@ -314,7 +314,7 @@
           <a:p>
             <a:fld id="{2262B9CB-7EE2-4110-A9C4-52DF80078EED}" type="datetimeFigureOut">
               <a:rPr lang="ko-KR" altLang="en-US" smtClean="0"/>
-              <a:t>2022-12-06</a:t>
+              <a:t>2024-03-22</a:t>
             </a:fld>
             <a:endParaRPr lang="ko-KR" altLang="en-US"/>
           </a:p>
@@ -517,7 +517,7 @@
           <a:p>
             <a:fld id="{2262B9CB-7EE2-4110-A9C4-52DF80078EED}" type="datetimeFigureOut">
               <a:rPr lang="ko-KR" altLang="en-US" smtClean="0"/>
-              <a:t>2022-12-06</a:t>
+              <a:t>2024-03-22</a:t>
             </a:fld>
             <a:endParaRPr lang="ko-KR" altLang="en-US"/>
           </a:p>
@@ -725,7 +725,7 @@
           <a:p>
             <a:fld id="{2262B9CB-7EE2-4110-A9C4-52DF80078EED}" type="datetimeFigureOut">
               <a:rPr lang="ko-KR" altLang="en-US" smtClean="0"/>
-              <a:t>2022-12-06</a:t>
+              <a:t>2024-03-22</a:t>
             </a:fld>
             <a:endParaRPr lang="ko-KR" altLang="en-US"/>
           </a:p>
@@ -1000,7 +1000,7 @@
           <a:lstStyle/>
           <a:p>
             <a:fld id="{01A7FFF1-0D20-1A48-9326-6A496DB15915}" type="datetimeFigureOut">
-              <a:t>2022-12-06</a:t>
+              <a:t>2024-03-22</a:t>
             </a:fld>
             <a:endParaRPr kumimoji="1" lang="ko-Kore-KR" altLang="en-US"/>
           </a:p>
@@ -1279,7 +1279,7 @@
           <a:p>
             <a:fld id="{2262B9CB-7EE2-4110-A9C4-52DF80078EED}" type="datetimeFigureOut">
               <a:rPr lang="ko-KR" altLang="en-US" smtClean="0"/>
-              <a:t>2022-12-06</a:t>
+              <a:t>2024-03-22</a:t>
             </a:fld>
             <a:endParaRPr lang="ko-KR" altLang="en-US"/>
           </a:p>
@@ -1429,7 +1429,7 @@
           <a:p>
             <a:fld id="{2262B9CB-7EE2-4110-A9C4-52DF80078EED}" type="datetimeFigureOut">
               <a:rPr lang="ko-KR" altLang="en-US" smtClean="0"/>
-              <a:t>2022-12-06</a:t>
+              <a:t>2024-03-22</a:t>
             </a:fld>
             <a:endParaRPr lang="ko-KR" altLang="en-US"/>
           </a:p>
@@ -1772,7 +1772,7 @@
           <a:p>
             <a:fld id="{2262B9CB-7EE2-4110-A9C4-52DF80078EED}" type="datetimeFigureOut">
               <a:rPr lang="ko-KR" altLang="en-US" smtClean="0"/>
-              <a:t>2022-12-06</a:t>
+              <a:t>2024-03-22</a:t>
             </a:fld>
             <a:endParaRPr lang="ko-KR" altLang="en-US"/>
           </a:p>
@@ -2184,7 +2184,7 @@
           <a:p>
             <a:fld id="{2262B9CB-7EE2-4110-A9C4-52DF80078EED}" type="datetimeFigureOut">
               <a:rPr lang="ko-KR" altLang="en-US" smtClean="0"/>
-              <a:t>2022-12-06</a:t>
+              <a:t>2024-03-22</a:t>
             </a:fld>
             <a:endParaRPr lang="ko-KR" altLang="en-US"/>
           </a:p>
@@ -2331,7 +2331,7 @@
           <a:p>
             <a:fld id="{2262B9CB-7EE2-4110-A9C4-52DF80078EED}" type="datetimeFigureOut">
               <a:rPr lang="ko-KR" altLang="en-US" smtClean="0"/>
-              <a:t>2022-12-06</a:t>
+              <a:t>2024-03-22</a:t>
             </a:fld>
             <a:endParaRPr lang="ko-KR" altLang="en-US"/>
           </a:p>
@@ -2444,7 +2444,7 @@
           <a:p>
             <a:fld id="{2262B9CB-7EE2-4110-A9C4-52DF80078EED}" type="datetimeFigureOut">
               <a:rPr lang="ko-KR" altLang="en-US" smtClean="0"/>
-              <a:t>2022-12-06</a:t>
+              <a:t>2024-03-22</a:t>
             </a:fld>
             <a:endParaRPr lang="ko-KR" altLang="en-US"/>
           </a:p>
@@ -2755,7 +2755,7 @@
           <a:p>
             <a:fld id="{2262B9CB-7EE2-4110-A9C4-52DF80078EED}" type="datetimeFigureOut">
               <a:rPr lang="ko-KR" altLang="en-US" smtClean="0"/>
-              <a:t>2022-12-06</a:t>
+              <a:t>2024-03-22</a:t>
             </a:fld>
             <a:endParaRPr lang="ko-KR" altLang="en-US"/>
           </a:p>
@@ -3046,7 +3046,7 @@
           <a:p>
             <a:fld id="{2262B9CB-7EE2-4110-A9C4-52DF80078EED}" type="datetimeFigureOut">
               <a:rPr lang="ko-KR" altLang="en-US" smtClean="0"/>
-              <a:t>2022-12-06</a:t>
+              <a:t>2024-03-22</a:t>
             </a:fld>
             <a:endParaRPr lang="ko-KR" altLang="en-US"/>
           </a:p>
@@ -3287,7 +3287,7 @@
           <a:p>
             <a:fld id="{2262B9CB-7EE2-4110-A9C4-52DF80078EED}" type="datetimeFigureOut">
               <a:rPr lang="ko-KR" altLang="en-US" smtClean="0"/>
-              <a:t>2022-12-06</a:t>
+              <a:t>2024-03-22</a:t>
             </a:fld>
             <a:endParaRPr lang="ko-KR" altLang="en-US"/>
           </a:p>
@@ -3748,6 +3748,13 @@
   <p:clrMapOvr>
     <a:masterClrMapping/>
   </p:clrMapOvr>
+  <p:timing>
+    <p:tnLst>
+      <p:par>
+        <p:cTn id="1" dur="indefinite" restart="never" nodeType="tmRoot"/>
+      </p:par>
+    </p:tnLst>
+  </p:timing>
 </p:sld>
 </file>
 
@@ -4565,6 +4572,13 @@
   <p:clrMapOvr>
     <a:masterClrMapping/>
   </p:clrMapOvr>
+  <p:timing>
+    <p:tnLst>
+      <p:par>
+        <p:cTn id="1" dur="indefinite" restart="never" nodeType="tmRoot"/>
+      </p:par>
+    </p:tnLst>
+  </p:timing>
 </p:sld>
 </file>
 
@@ -5438,6 +5452,13 @@
   <p:clrMapOvr>
     <a:masterClrMapping/>
   </p:clrMapOvr>
+  <p:timing>
+    <p:tnLst>
+      <p:par>
+        <p:cTn id="1" dur="indefinite" restart="never" nodeType="tmRoot"/>
+      </p:par>
+    </p:tnLst>
+  </p:timing>
 </p:sld>
 </file>
 
@@ -5975,6 +5996,13 @@
   <p:clrMapOvr>
     <a:masterClrMapping/>
   </p:clrMapOvr>
+  <p:timing>
+    <p:tnLst>
+      <p:par>
+        <p:cTn id="1" dur="indefinite" restart="never" nodeType="tmRoot"/>
+      </p:par>
+    </p:tnLst>
+  </p:timing>
 </p:sld>
 </file>
 
@@ -6625,6 +6653,13 @@
   <p:clrMapOvr>
     <a:masterClrMapping/>
   </p:clrMapOvr>
+  <p:timing>
+    <p:tnLst>
+      <p:par>
+        <p:cTn id="1" dur="indefinite" restart="never" nodeType="tmRoot"/>
+      </p:par>
+    </p:tnLst>
+  </p:timing>
 </p:sld>
 </file>
 
@@ -7035,6 +7070,13 @@
   <p:clrMapOvr>
     <a:masterClrMapping/>
   </p:clrMapOvr>
+  <p:timing>
+    <p:tnLst>
+      <p:par>
+        <p:cTn id="1" dur="indefinite" restart="never" nodeType="tmRoot"/>
+      </p:par>
+    </p:tnLst>
+  </p:timing>
 </p:sld>
 </file>
 
@@ -7879,6 +7921,13 @@
   <p:clrMapOvr>
     <a:masterClrMapping/>
   </p:clrMapOvr>
+  <p:timing>
+    <p:tnLst>
+      <p:par>
+        <p:cTn id="1" dur="indefinite" restart="never" nodeType="tmRoot"/>
+      </p:par>
+    </p:tnLst>
+  </p:timing>
 </p:sld>
 </file>
 
@@ -8252,6 +8301,13 @@
   <p:clrMapOvr>
     <a:masterClrMapping/>
   </p:clrMapOvr>
+  <p:timing>
+    <p:tnLst>
+      <p:par>
+        <p:cTn id="1" dur="indefinite" restart="never" nodeType="tmRoot"/>
+      </p:par>
+    </p:tnLst>
+  </p:timing>
 </p:sld>
 </file>
 
@@ -8436,7 +8492,7 @@
             <a:tailEnd type="none" w="med" len="med"/>
             <a:extLst>
               <a:ext uri="{C807C97D-BFC1-408E-A445-0C87EB9F89A2}">
-                <ask:lineSketchStyleProps xmlns:ask="http://schemas.microsoft.com/office/drawing/2018/sketchyshapes" sd="0">
+                <ask:lineSketchStyleProps xmlns:ask="http://schemas.microsoft.com/office/drawing/2018/sketchyshapes" xmlns="" sd="0">
                   <a:custGeom>
                     <a:avLst/>
                     <a:gdLst/>
@@ -8500,7 +8556,7 @@
             <a:tailEnd type="none" w="med" len="med"/>
             <a:extLst>
               <a:ext uri="{C807C97D-BFC1-408E-A445-0C87EB9F89A2}">
-                <ask:lineSketchStyleProps xmlns:ask="http://schemas.microsoft.com/office/drawing/2018/sketchyshapes" sd="0">
+                <ask:lineSketchStyleProps xmlns:ask="http://schemas.microsoft.com/office/drawing/2018/sketchyshapes" xmlns="" sd="0">
                   <a:custGeom>
                     <a:avLst/>
                     <a:gdLst/>
@@ -8610,6 +8666,13 @@
   <p:clrMapOvr>
     <a:masterClrMapping/>
   </p:clrMapOvr>
+  <p:timing>
+    <p:tnLst>
+      <p:par>
+        <p:cTn id="1" dur="indefinite" restart="never" nodeType="tmRoot"/>
+      </p:par>
+    </p:tnLst>
+  </p:timing>
 </p:sld>
 </file>
 
@@ -8969,6 +9032,13 @@
   <p:clrMapOvr>
     <a:masterClrMapping/>
   </p:clrMapOvr>
+  <p:timing>
+    <p:tnLst>
+      <p:par>
+        <p:cTn id="1" dur="indefinite" restart="never" nodeType="tmRoot"/>
+      </p:par>
+    </p:tnLst>
+  </p:timing>
 </p:sld>
 </file>
 
@@ -9042,6 +9112,10 @@
               <a:rPr lang="ko-KR" altLang="en-US" sz="1600" dirty="0"/>
               <a:t> 표시될 영역을 가져와서 변수에 할당하고 </a:t>
             </a:r>
+            <a:r>
+              <a:rPr lang="en-US" altLang="ko-KR" sz="1600" dirty="0"/>
+              <a:t/>
+            </a:r>
             <a:br>
               <a:rPr lang="en-US" altLang="ko-KR" sz="1600" dirty="0"/>
             </a:br>
@@ -9328,6 +9402,13 @@
   <p:clrMapOvr>
     <a:masterClrMapping/>
   </p:clrMapOvr>
+  <p:timing>
+    <p:tnLst>
+      <p:par>
+        <p:cTn id="1" dur="indefinite" restart="never" nodeType="tmRoot"/>
+      </p:par>
+    </p:tnLst>
+  </p:timing>
 </p:sld>
 </file>
 
@@ -9386,6 +9467,13 @@
   <p:clrMapOvr>
     <a:masterClrMapping/>
   </p:clrMapOvr>
+  <p:timing>
+    <p:tnLst>
+      <p:par>
+        <p:cTn id="1" dur="indefinite" restart="never" nodeType="tmRoot"/>
+      </p:par>
+    </p:tnLst>
+  </p:timing>
 </p:sld>
 </file>
 
@@ -9455,6 +9543,10 @@
               <a:rPr lang="ko-KR" altLang="en-US" sz="1600" dirty="0"/>
               <a:t>를 기준으로 앞부분은 사용자 이름이고 뒷부분은 도메인 주소이므로 </a:t>
             </a:r>
+            <a:r>
+              <a:rPr lang="en-US" altLang="ko-KR" sz="1600" dirty="0"/>
+              <a:t/>
+            </a:r>
             <a:br>
               <a:rPr lang="en-US" altLang="ko-KR" sz="1600" dirty="0"/>
             </a:br>
@@ -10146,6 +10238,13 @@
   <p:clrMapOvr>
     <a:masterClrMapping/>
   </p:clrMapOvr>
+  <p:timing>
+    <p:tnLst>
+      <p:par>
+        <p:cTn id="1" dur="indefinite" restart="never" nodeType="tmRoot"/>
+      </p:par>
+    </p:tnLst>
+  </p:timing>
 </p:sld>
 </file>
 
@@ -10858,6 +10957,13 @@
   <p:clrMapOvr>
     <a:masterClrMapping/>
   </p:clrMapOvr>
+  <p:timing>
+    <p:tnLst>
+      <p:par>
+        <p:cTn id="1" dur="indefinite" restart="never" nodeType="tmRoot"/>
+      </p:par>
+    </p:tnLst>
+  </p:timing>
 </p:sld>
 </file>
 
@@ -11340,7 +11446,7 @@
             <a:tailEnd type="none" w="med" len="med"/>
             <a:extLst>
               <a:ext uri="{C807C97D-BFC1-408E-A445-0C87EB9F89A2}">
-                <ask:lineSketchStyleProps xmlns:ask="http://schemas.microsoft.com/office/drawing/2018/sketchyshapes" sd="0">
+                <ask:lineSketchStyleProps xmlns:ask="http://schemas.microsoft.com/office/drawing/2018/sketchyshapes" xmlns="" sd="0">
                   <a:custGeom>
                     <a:avLst/>
                     <a:gdLst/>
@@ -11371,6 +11477,13 @@
   <p:clrMapOvr>
     <a:masterClrMapping/>
   </p:clrMapOvr>
+  <p:timing>
+    <p:tnLst>
+      <p:par>
+        <p:cTn id="1" dur="indefinite" restart="never" nodeType="tmRoot"/>
+      </p:par>
+    </p:tnLst>
+  </p:timing>
 </p:sld>
 </file>
 
@@ -12096,6 +12209,13 @@
   <p:clrMapOvr>
     <a:masterClrMapping/>
   </p:clrMapOvr>
+  <p:timing>
+    <p:tnLst>
+      <p:par>
+        <p:cTn id="1" dur="indefinite" restart="never" nodeType="tmRoot"/>
+      </p:par>
+    </p:tnLst>
+  </p:timing>
 </p:sld>
 </file>
 
@@ -12156,6 +12276,13 @@
   <p:clrMapOvr>
     <a:masterClrMapping/>
   </p:clrMapOvr>
+  <p:timing>
+    <p:tnLst>
+      <p:par>
+        <p:cTn id="1" dur="indefinite" restart="never" nodeType="tmRoot"/>
+      </p:par>
+    </p:tnLst>
+  </p:timing>
 </p:sld>
 </file>
 
@@ -12774,6 +12901,13 @@
   <p:clrMapOvr>
     <a:masterClrMapping/>
   </p:clrMapOvr>
+  <p:timing>
+    <p:tnLst>
+      <p:par>
+        <p:cTn id="1" dur="indefinite" restart="never" nodeType="tmRoot"/>
+      </p:par>
+    </p:tnLst>
+  </p:timing>
 </p:sld>
 </file>
 
@@ -13062,6 +13196,13 @@
   <p:clrMapOvr>
     <a:masterClrMapping/>
   </p:clrMapOvr>
+  <p:timing>
+    <p:tnLst>
+      <p:par>
+        <p:cTn id="1" dur="indefinite" restart="never" nodeType="tmRoot"/>
+      </p:par>
+    </p:tnLst>
+  </p:timing>
 </p:sld>
 </file>
 
@@ -13353,6 +13494,13 @@
   <p:clrMapOvr>
     <a:masterClrMapping/>
   </p:clrMapOvr>
+  <p:timing>
+    <p:tnLst>
+      <p:par>
+        <p:cTn id="1" dur="indefinite" restart="never" nodeType="tmRoot"/>
+      </p:par>
+    </p:tnLst>
+  </p:timing>
 </p:sld>
 </file>
 
@@ -13918,6 +14066,13 @@
   <p:clrMapOvr>
     <a:masterClrMapping/>
   </p:clrMapOvr>
+  <p:timing>
+    <p:tnLst>
+      <p:par>
+        <p:cTn id="1" dur="indefinite" restart="never" nodeType="tmRoot"/>
+      </p:par>
+    </p:tnLst>
+  </p:timing>
 </p:sld>
 </file>
 
@@ -14580,6 +14735,13 @@
   <p:clrMapOvr>
     <a:masterClrMapping/>
   </p:clrMapOvr>
+  <p:timing>
+    <p:tnLst>
+      <p:par>
+        <p:cTn id="1" dur="indefinite" restart="never" nodeType="tmRoot"/>
+      </p:par>
+    </p:tnLst>
+  </p:timing>
 </p:sld>
 </file>
 
@@ -15406,6 +15568,13 @@
   <p:clrMapOvr>
     <a:masterClrMapping/>
   </p:clrMapOvr>
+  <p:timing>
+    <p:tnLst>
+      <p:par>
+        <p:cTn id="1" dur="indefinite" restart="never" nodeType="tmRoot"/>
+      </p:par>
+    </p:tnLst>
+  </p:timing>
 </p:sld>
 </file>
 
@@ -15950,6 +16119,13 @@
   <p:clrMapOvr>
     <a:masterClrMapping/>
   </p:clrMapOvr>
+  <p:timing>
+    <p:tnLst>
+      <p:par>
+        <p:cTn id="1" dur="indefinite" restart="never" nodeType="tmRoot"/>
+      </p:par>
+    </p:tnLst>
+  </p:timing>
 </p:sld>
 </file>
 
@@ -16038,6 +16214,13 @@
   <p:clrMapOvr>
     <a:masterClrMapping/>
   </p:clrMapOvr>
+  <p:timing>
+    <p:tnLst>
+      <p:par>
+        <p:cTn id="1" dur="indefinite" restart="never" nodeType="tmRoot"/>
+      </p:par>
+    </p:tnLst>
+  </p:timing>
 </p:sld>
 </file>
 
@@ -16205,6 +16388,13 @@
   <p:clrMapOvr>
     <a:masterClrMapping/>
   </p:clrMapOvr>
+  <p:timing>
+    <p:tnLst>
+      <p:par>
+        <p:cTn id="1" dur="indefinite" restart="never" nodeType="tmRoot"/>
+      </p:par>
+    </p:tnLst>
+  </p:timing>
 </p:sld>
 </file>
 
@@ -16263,6 +16453,13 @@
   <p:clrMapOvr>
     <a:masterClrMapping/>
   </p:clrMapOvr>
+  <p:timing>
+    <p:tnLst>
+      <p:par>
+        <p:cTn id="1" dur="indefinite" restart="never" nodeType="tmRoot"/>
+      </p:par>
+    </p:tnLst>
+  </p:timing>
 </p:sld>
 </file>
 
@@ -20362,6 +20559,13 @@
   <p:clrMapOvr>
     <a:masterClrMapping/>
   </p:clrMapOvr>
+  <p:timing>
+    <p:tnLst>
+      <p:par>
+        <p:cTn id="1" dur="indefinite" restart="never" nodeType="tmRoot"/>
+      </p:par>
+    </p:tnLst>
+  </p:timing>
 </p:sld>
 </file>
 
@@ -21174,7 +21378,7 @@
         </p:nvSpPr>
         <p:spPr>
           <a:xfrm>
-            <a:off x="4545876" y="5827450"/>
+            <a:off x="5264541" y="5825600"/>
             <a:ext cx="2834430" cy="338554"/>
           </a:xfrm>
           <a:prstGeom prst="rect">
@@ -21183,7 +21387,7 @@
           <a:noFill/>
         </p:spPr>
         <p:txBody>
-          <a:bodyPr wrap="none" rtlCol="0">
+          <a:bodyPr wrap="square" rtlCol="0">
             <a:spAutoFit/>
           </a:bodyPr>
           <a:lstStyle/>
@@ -21221,7 +21425,7 @@
         </p:nvCxnSpPr>
         <p:spPr>
           <a:xfrm>
-            <a:off x="5233851" y="5338354"/>
+            <a:off x="5833926" y="5373596"/>
             <a:ext cx="1123406" cy="0"/>
           </a:xfrm>
           <a:prstGeom prst="line">
@@ -21257,7 +21461,7 @@
         </p:nvCxnSpPr>
         <p:spPr>
           <a:xfrm flipV="1">
-            <a:off x="5677989" y="5364480"/>
+            <a:off x="6395629" y="5364480"/>
             <a:ext cx="0" cy="462970"/>
           </a:xfrm>
           <a:prstGeom prst="straightConnector1">
@@ -21949,7 +22153,7 @@
             <a:tailEnd type="none" w="med" len="med"/>
             <a:extLst>
               <a:ext uri="{C807C97D-BFC1-408E-A445-0C87EB9F89A2}">
-                <ask:lineSketchStyleProps xmlns:ask="http://schemas.microsoft.com/office/drawing/2018/sketchyshapes" sd="0">
+                <ask:lineSketchStyleProps xmlns:ask="http://schemas.microsoft.com/office/drawing/2018/sketchyshapes" xmlns="" sd="0">
                   <a:custGeom>
                     <a:avLst/>
                     <a:gdLst/>
@@ -23021,7 +23225,7 @@
             <a:tailEnd type="none" w="med" len="med"/>
             <a:extLst>
               <a:ext uri="{C807C97D-BFC1-408E-A445-0C87EB9F89A2}">
-                <ask:lineSketchStyleProps xmlns:ask="http://schemas.microsoft.com/office/drawing/2018/sketchyshapes" sd="0">
+                <ask:lineSketchStyleProps xmlns:ask="http://schemas.microsoft.com/office/drawing/2018/sketchyshapes" xmlns="" sd="0">
                   <a:custGeom>
                     <a:avLst/>
                     <a:gdLst/>
@@ -23546,7 +23750,7 @@
             <a:tailEnd type="none" w="med" len="med"/>
             <a:extLst>
               <a:ext uri="{C807C97D-BFC1-408E-A445-0C87EB9F89A2}">
-                <ask:lineSketchStyleProps xmlns:ask="http://schemas.microsoft.com/office/drawing/2018/sketchyshapes" sd="0">
+                <ask:lineSketchStyleProps xmlns:ask="http://schemas.microsoft.com/office/drawing/2018/sketchyshapes" xmlns="" sd="0">
                   <a:custGeom>
                     <a:avLst/>
                     <a:gdLst/>
@@ -29055,7 +29259,7 @@
             <a:tailEnd type="none" w="med" len="med"/>
             <a:extLst>
               <a:ext uri="{C807C97D-BFC1-408E-A445-0C87EB9F89A2}">
-                <ask:lineSketchStyleProps xmlns:ask="http://schemas.microsoft.com/office/drawing/2018/sketchyshapes" sd="0">
+                <ask:lineSketchStyleProps xmlns:ask="http://schemas.microsoft.com/office/drawing/2018/sketchyshapes" xmlns="" sd="0">
                   <a:custGeom>
                     <a:avLst/>
                     <a:gdLst/>
@@ -29115,7 +29319,7 @@
             <a:tailEnd type="none" w="med" len="med"/>
             <a:extLst>
               <a:ext uri="{C807C97D-BFC1-408E-A445-0C87EB9F89A2}">
-                <ask:lineSketchStyleProps xmlns:ask="http://schemas.microsoft.com/office/drawing/2018/sketchyshapes" sd="0">
+                <ask:lineSketchStyleProps xmlns:ask="http://schemas.microsoft.com/office/drawing/2018/sketchyshapes" xmlns="" sd="0">
                   <a:custGeom>
                     <a:avLst/>
                     <a:gdLst/>
@@ -29175,7 +29379,7 @@
             <a:tailEnd type="none" w="med" len="med"/>
             <a:extLst>
               <a:ext uri="{C807C97D-BFC1-408E-A445-0C87EB9F89A2}">
-                <ask:lineSketchStyleProps xmlns:ask="http://schemas.microsoft.com/office/drawing/2018/sketchyshapes" sd="0">
+                <ask:lineSketchStyleProps xmlns:ask="http://schemas.microsoft.com/office/drawing/2018/sketchyshapes" xmlns="" sd="0">
                   <a:custGeom>
                     <a:avLst/>
                     <a:gdLst/>
@@ -29206,6 +29410,13 @@
   <p:clrMapOvr>
     <a:masterClrMapping/>
   </p:clrMapOvr>
+  <p:timing>
+    <p:tnLst>
+      <p:par>
+        <p:cTn id="1" dur="indefinite" restart="never" nodeType="tmRoot"/>
+      </p:par>
+    </p:tnLst>
+  </p:timing>
 </p:sld>
 </file>
 
@@ -35493,6 +35704,13 @@
   <p:clrMapOvr>
     <a:masterClrMapping/>
   </p:clrMapOvr>
+  <p:timing>
+    <p:tnLst>
+      <p:par>
+        <p:cTn id="1" dur="indefinite" restart="never" nodeType="tmRoot"/>
+      </p:par>
+    </p:tnLst>
+  </p:timing>
 </p:sld>
 </file>
 
@@ -36612,6 +36830,13 @@
   <p:clrMapOvr>
     <a:masterClrMapping/>
   </p:clrMapOvr>
+  <p:timing>
+    <p:tnLst>
+      <p:par>
+        <p:cTn id="1" dur="indefinite" restart="never" nodeType="tmRoot"/>
+      </p:par>
+    </p:tnLst>
+  </p:timing>
 </p:sld>
 </file>
 
@@ -37380,6 +37605,13 @@
   <p:clrMapOvr>
     <a:masterClrMapping/>
   </p:clrMapOvr>
+  <p:timing>
+    <p:tnLst>
+      <p:par>
+        <p:cTn id="1" dur="indefinite" restart="never" nodeType="tmRoot"/>
+      </p:par>
+    </p:tnLst>
+  </p:timing>
 </p:sld>
 </file>
 
@@ -38736,6 +38968,13 @@
   <p:clrMapOvr>
     <a:masterClrMapping/>
   </p:clrMapOvr>
+  <p:timing>
+    <p:tnLst>
+      <p:par>
+        <p:cTn id="1" dur="indefinite" restart="never" nodeType="tmRoot"/>
+      </p:par>
+    </p:tnLst>
+  </p:timing>
 </p:sld>
 </file>
 
